--- a/Final Presentation Slides.pptx
+++ b/Final Presentation Slides.pptx
@@ -107,7 +107,56 @@
       </a:defRPr>
     </a:lvl9pPr>
   </p:defaultTextStyle>
+  <p:extLst>
+    <p:ext uri="{EFAFB233-063F-42B5-8137-9DF3F51BA10A}">
+      <p15:sldGuideLst xmlns:p15="http://schemas.microsoft.com/office/powerpoint/2012/main"/>
+    </p:ext>
+  </p:extLst>
 </p:presentation>
+</file>
+
+<file path=ppt/changesInfos/changesInfo1.xml><?xml version="1.0" encoding="utf-8"?>
+<pc:chgInfo xmlns:a="http://schemas.openxmlformats.org/drawingml/2006/main" xmlns:r="http://schemas.openxmlformats.org/officeDocument/2006/relationships" xmlns:ac="http://schemas.microsoft.com/office/drawing/2013/main/command" xmlns:pc="http://schemas.microsoft.com/office/powerpoint/2013/main/command">
+  <pc:docChgLst>
+    <pc:chgData name="Ketan Sinha" userId="c44bc5d62fe1aca5" providerId="LiveId" clId="{454F6570-5F99-4E39-B028-23B1C2990DBE}"/>
+    <pc:docChg chg="modSld">
+      <pc:chgData name="Ketan Sinha" userId="c44bc5d62fe1aca5" providerId="LiveId" clId="{454F6570-5F99-4E39-B028-23B1C2990DBE}" dt="2018-11-27T22:11:46.987" v="120" actId="20577"/>
+      <pc:docMkLst>
+        <pc:docMk/>
+      </pc:docMkLst>
+      <pc:sldChg chg="modSp">
+        <pc:chgData name="Ketan Sinha" userId="c44bc5d62fe1aca5" providerId="LiveId" clId="{454F6570-5F99-4E39-B028-23B1C2990DBE}" dt="2018-11-27T22:11:46.987" v="120" actId="20577"/>
+        <pc:sldMkLst>
+          <pc:docMk/>
+          <pc:sldMk cId="2522766516" sldId="257"/>
+        </pc:sldMkLst>
+        <pc:spChg chg="mod">
+          <ac:chgData name="Ketan Sinha" userId="c44bc5d62fe1aca5" providerId="LiveId" clId="{454F6570-5F99-4E39-B028-23B1C2990DBE}" dt="2018-11-27T22:11:46.987" v="120" actId="20577"/>
+          <ac:spMkLst>
+            <pc:docMk/>
+            <pc:sldMk cId="2522766516" sldId="257"/>
+            <ac:spMk id="3" creationId="{BBD7DFE8-7D4A-4082-86AE-091925CFEF4E}"/>
+          </ac:spMkLst>
+        </pc:spChg>
+      </pc:sldChg>
+      <pc:sldChg chg="modSp">
+        <pc:chgData name="Ketan Sinha" userId="c44bc5d62fe1aca5" providerId="LiveId" clId="{454F6570-5F99-4E39-B028-23B1C2990DBE}" dt="2018-11-27T22:08:29.212" v="9" actId="20577"/>
+        <pc:sldMkLst>
+          <pc:docMk/>
+          <pc:sldMk cId="3216141062" sldId="258"/>
+        </pc:sldMkLst>
+        <pc:spChg chg="mod">
+          <ac:chgData name="Ketan Sinha" userId="c44bc5d62fe1aca5" providerId="LiveId" clId="{454F6570-5F99-4E39-B028-23B1C2990DBE}" dt="2018-11-27T22:08:29.212" v="9" actId="20577"/>
+          <ac:spMkLst>
+            <pc:docMk/>
+            <pc:sldMk cId="3216141062" sldId="258"/>
+            <ac:spMk id="3" creationId="{FA3F046B-7FFD-4A87-8B17-FF37C502C9C7}"/>
+          </ac:spMkLst>
+        </pc:spChg>
+      </pc:sldChg>
+    </pc:docChg>
+  </pc:docChgLst>
+</pc:chgInfo>
 </file>
 
 <file path=ppt/slideLayouts/slideLayout1.xml><?xml version="1.0" encoding="utf-8"?>
@@ -3124,8 +3173,16 @@
               <a:p>
                 <a:r>
                   <a:rPr lang="en-US" b="0" dirty="0"/>
-                  <a:t>Laplacian </a:t>
+                  <a:t>Produces images with edge lines at gray-level discontinuities</a:t>
                 </a:r>
+              </a:p>
+              <a:p>
+                <a:pPr lvl="1"/>
+                <a:r>
+                  <a:rPr lang="en-US" dirty="0"/>
+                  <a:t>Deemphasizes slowly varying gray levels</a:t>
+                </a:r>
+                <a:endParaRPr lang="en-US" b="0" dirty="0"/>
               </a:p>
               <a:p>
                 <a:r>
@@ -3410,8 +3467,8 @@
           </a:p>
         </p:txBody>
       </p:sp>
-      <mc:AlternateContent xmlns:mc="http://schemas.openxmlformats.org/markup-compatibility/2006">
-        <mc:Choice xmlns:a14="http://schemas.microsoft.com/office/drawing/2010/main" Requires="a14">
+      <mc:AlternateContent xmlns:mc="http://schemas.openxmlformats.org/markup-compatibility/2006" xmlns:a14="http://schemas.microsoft.com/office/drawing/2010/main">
+        <mc:Choice Requires="a14">
           <p:sp>
             <p:nvSpPr>
               <p:cNvPr id="3" name="Content Placeholder 2">
@@ -3604,7 +3661,7 @@
             </p:txBody>
           </p:sp>
         </mc:Choice>
-        <mc:Fallback>
+        <mc:Fallback xmlns="">
           <p:sp>
             <p:nvSpPr>
               <p:cNvPr id="3" name="Content Placeholder 2">
@@ -3727,7 +3784,7 @@
               <a:p>
                 <a:r>
                   <a:rPr lang="en-US" dirty="0"/>
-                  <a:t>High boost filtering enhances the high frequency components (i.e. fine textures)</a:t>
+                  <a:t>Enhances the high frequency components (i.e. fine textures)</a:t>
                 </a:r>
               </a:p>
               <a:p>
@@ -3946,7 +4003,7 @@
               <a:blipFill>
                 <a:blip r:embed="rId2"/>
                 <a:stretch>
-                  <a:fillRect l="-1391" t="-2241"/>
+                  <a:fillRect l="-1391" t="-2241" r="-618"/>
                 </a:stretch>
               </a:blipFill>
             </p:spPr>
